--- a/不知道用什么名字.pptx
+++ b/不知道用什么名字.pptx
@@ -139,7 +139,7 @@
   </p:defaultTextStyle>
   <p:extLst>
     <p:ext uri="{EFAFB233-063F-42B5-8137-9DF3F51BA10A}">
-      <p15:sldGuideLst xmlns:p15="http://schemas.microsoft.com/office/powerpoint/2012/main">
+      <p15:sldGuideLst xmlns:p15="http://schemas.microsoft.com/office/powerpoint/2012/main" xmlns="">
         <p15:guide id="1" orient="horz" pos="2159">
           <p15:clr>
             <a:srgbClr val="A4A3A4"/>
@@ -163,7 +163,7 @@
       </p15:sldGuideLst>
     </p:ext>
     <p:ext uri="{2D200454-40CA-4A62-9FC3-DE9A4176ACB9}">
-      <p15:notesGuideLst xmlns:p15="http://schemas.microsoft.com/office/powerpoint/2012/main">
+      <p15:notesGuideLst xmlns:p15="http://schemas.microsoft.com/office/powerpoint/2012/main" xmlns="">
         <p15:guide id="1" orient="horz" pos="2880">
           <p15:clr>
             <a:srgbClr val="A4A3A4"/>
@@ -262,7 +262,7 @@
           <a:p>
             <a:fld id="{66B56024-E033-460B-B461-F9C8C93C904B}" type="datetimeFigureOut">
               <a:rPr lang="zh-CN" altLang="en-US" smtClean="0"/>
-              <a:t>2017/5/31</a:t>
+              <a:t>2017/6/1</a:t>
             </a:fld>
             <a:endParaRPr lang="zh-CN" altLang="en-US"/>
           </a:p>
@@ -427,7 +427,7 @@
           <a:p>
             <a:fld id="{BD403541-C361-4440-AA44-DBB6527DDBFB}" type="datetimeFigureOut">
               <a:rPr lang="zh-CN" altLang="en-US" smtClean="0"/>
-              <a:t>2017/5/31</a:t>
+              <a:t>2017/6/1</a:t>
             </a:fld>
             <a:endParaRPr lang="zh-CN" altLang="en-US"/>
           </a:p>
@@ -27208,60 +27208,6 @@
           </a:p>
         </p:txBody>
       </p:sp>
-      <p:pic>
-        <p:nvPicPr>
-          <p:cNvPr id="6" name="图片 1"/>
-          <p:cNvPicPr>
-            <a:picLocks noChangeAspect="1"/>
-          </p:cNvPicPr>
-          <p:nvPr/>
-        </p:nvPicPr>
-        <p:blipFill>
-          <a:blip r:embed="rId2">
-            <a:extLst>
-              <a:ext uri="{28A0092B-C50C-407E-A947-70E740481C1C}">
-                <a14:useLocalDpi xmlns:a14="http://schemas.microsoft.com/office/drawing/2010/main" val="0"/>
-              </a:ext>
-            </a:extLst>
-          </a:blip>
-          <a:srcRect l="10634" t="10634" r="25188" b="25188"/>
-          <a:stretch>
-            <a:fillRect/>
-          </a:stretch>
-        </p:blipFill>
-        <p:spPr bwMode="auto">
-          <a:xfrm>
-            <a:off x="304800" y="1360450"/>
-            <a:ext cx="4694238" cy="3521075"/>
-          </a:xfrm>
-          <a:prstGeom prst="rect">
-            <a:avLst/>
-          </a:prstGeom>
-          <a:noFill/>
-          <a:ln>
-            <a:noFill/>
-          </a:ln>
-          <a:extLst>
-            <a:ext uri="{909E8E84-426E-40DD-AFC4-6F175D3DCCD1}">
-              <a14:hiddenFill xmlns:a14="http://schemas.microsoft.com/office/drawing/2010/main">
-                <a:solidFill>
-                  <a:srgbClr val="FFFFFF"/>
-                </a:solidFill>
-              </a14:hiddenFill>
-            </a:ext>
-            <a:ext uri="{91240B29-F687-4F45-9708-019B960494DF}">
-              <a14:hiddenLine xmlns:a14="http://schemas.microsoft.com/office/drawing/2010/main" w="9525">
-                <a:solidFill>
-                  <a:srgbClr val="000000"/>
-                </a:solidFill>
-                <a:miter lim="800000"/>
-                <a:headEnd/>
-                <a:tailEnd/>
-              </a14:hiddenLine>
-            </a:ext>
-          </a:extLst>
-        </p:spPr>
-      </p:pic>
       <p:sp>
         <p:nvSpPr>
           <p:cNvPr id="7" name="TextBox 3"/>
@@ -27936,38 +27882,8 @@
                   </a:schemeClr>
                 </a:solidFill>
               </a:rPr>
-              <a:t>掌握商品</a:t>
-            </a:r>
-            <a:r>
-              <a:rPr lang="zh-CN" altLang="en-US" sz="1100" dirty="0">
-                <a:solidFill>
-                  <a:schemeClr val="tx1">
-                    <a:lumMod val="65000"/>
-                    <a:lumOff val="35000"/>
-                  </a:schemeClr>
-                </a:solidFill>
-              </a:rPr>
-              <a:t>画面构图的类型和</a:t>
-            </a:r>
-            <a:r>
-              <a:rPr lang="zh-CN" altLang="en-US" sz="1100" dirty="0">
-                <a:solidFill>
-                  <a:schemeClr val="tx1">
-                    <a:lumMod val="65000"/>
-                    <a:lumOff val="35000"/>
-                  </a:schemeClr>
-                </a:solidFill>
-              </a:rPr>
-              <a:t>特点</a:t>
-            </a:r>
-            <a:endParaRPr lang="zh-CN" altLang="en-US" sz="1100" dirty="0">
-              <a:solidFill>
-                <a:schemeClr val="tx1">
-                  <a:lumMod val="65000"/>
-                  <a:lumOff val="35000"/>
-                </a:schemeClr>
-              </a:solidFill>
-            </a:endParaRPr>
+              <a:t>掌握商品画面构图的类型和特点</a:t>
+            </a:r>
           </a:p>
         </p:txBody>
       </p:sp>
@@ -28082,12 +27998,6 @@
               </a:rPr>
               <a:t>技能目标</a:t>
             </a:r>
-            <a:endParaRPr lang="zh-CN" altLang="en-US" sz="3600" b="1" dirty="0">
-              <a:solidFill>
-                <a:srgbClr val="1A7BAE"/>
-              </a:solidFill>
-              <a:latin typeface="+mn-ea"/>
-            </a:endParaRPr>
           </a:p>
         </p:txBody>
       </p:sp>
@@ -28213,12 +28123,6 @@
               </a:rPr>
               <a:t>情感目标</a:t>
             </a:r>
-            <a:endParaRPr lang="zh-CN" altLang="en-US" sz="3600" b="1" dirty="0">
-              <a:solidFill>
-                <a:srgbClr val="1A7BAE"/>
-              </a:solidFill>
-              <a:latin typeface="+mn-ea"/>
-            </a:endParaRPr>
           </a:p>
         </p:txBody>
       </p:sp>
